--- a/code 15.pptx
+++ b/code 15.pptx
@@ -4787,8 +4787,8 @@
         </p:nvSpPr>
         <p:spPr bwMode="auto">
           <a:xfrm>
-            <a:off x="-2743200" y="4182732"/>
-            <a:ext cx="22300356" cy="1692771"/>
+            <a:off x="-891251" y="2582614"/>
+            <a:ext cx="12813175" cy="1692771"/>
           </a:xfrm>
           <a:prstGeom prst="rect">
             <a:avLst/>

--- a/code 15.pptx
+++ b/code 15.pptx
@@ -4787,8 +4787,8 @@
         </p:nvSpPr>
         <p:spPr bwMode="auto">
           <a:xfrm>
-            <a:off x="-891251" y="2582614"/>
-            <a:ext cx="12813175" cy="1692771"/>
+            <a:off x="300942" y="1982449"/>
+            <a:ext cx="11620982" cy="2893100"/>
           </a:xfrm>
           <a:prstGeom prst="rect">
             <a:avLst/>
@@ -4847,7 +4847,7 @@
               <a:buNone/>
             </a:pPr>
             <a:r>
-              <a:rPr kumimoji="0" lang="fr-FR" altLang="fr-FR" sz="1400" b="0" i="0" u="none" strike="noStrike" cap="none" normalizeH="0" baseline="0" dirty="0">
+              <a:rPr kumimoji="0" lang="fr-FR" altLang="fr-FR" b="0" i="0" u="none" strike="noStrike" cap="none" normalizeH="0" baseline="0" dirty="0">
                 <a:ln>
                   <a:noFill/>
                 </a:ln>
@@ -4860,35 +4860,13 @@
               <a:t>Tout d'abord, nous avons appelé notre bibliothèque bone Alter , le fichier est lu avec la fonction ‘Dumpfile’</a:t>
             </a:r>
             <a:r>
-              <a:rPr lang="fr-FR" altLang="fr-FR" sz="1400" dirty="0">
+              <a:rPr lang="fr-FR" altLang="fr-FR" dirty="0">
                 <a:latin typeface="Arial Unicode MS"/>
               </a:rPr>
               <a:t> Avec la fonction ,' avec open. le fichier a été ouvert </a:t>
             </a:r>
-            <a:endParaRPr kumimoji="0" lang="fr-FR" altLang="fr-FR" sz="1400" b="0" i="0" u="none" strike="noStrike" cap="none" normalizeH="0" baseline="0" dirty="0">
-              <a:ln>
-                <a:noFill/>
-              </a:ln>
-              <a:solidFill>
-                <a:schemeClr val="tx1"/>
-              </a:solidFill>
-              <a:effectLst/>
-              <a:latin typeface="Arial Unicode MS"/>
-            </a:endParaRPr>
-          </a:p>
-          <a:p>
-            <a:pPr marL="0" lvl="0" indent="0" eaLnBrk="0" fontAlgn="base" hangingPunct="0">
-              <a:spcBef>
-                <a:spcPct val="0"/>
-              </a:spcBef>
-              <a:spcAft>
-                <a:spcPct val="0"/>
-              </a:spcAft>
-              <a:buClrTx/>
-              <a:buNone/>
-            </a:pPr>
-            <a:r>
-              <a:rPr kumimoji="0" lang="fr-FR" altLang="fr-FR" sz="1400" b="0" i="0" u="none" strike="noStrike" cap="none" normalizeH="0" baseline="0" dirty="0">
+            <a:r>
+              <a:rPr kumimoji="0" lang="fr-FR" altLang="fr-FR" b="0" i="0" u="none" strike="noStrike" cap="none" normalizeH="0" baseline="0" dirty="0">
                 <a:ln>
                   <a:noFill/>
                 </a:ln>
@@ -4898,38 +4876,16 @@
                 <a:effectLst/>
                 <a:latin typeface="Arial Unicode MS"/>
               </a:rPr>
-              <a:t>  avec son chemin précis. Le ‘file= open’ est suivi du chemin du fichier pour pouvoir le lire s’il existe.</a:t>
-            </a:r>
-            <a:r>
-              <a:rPr lang="fr-FR" altLang="fr-FR" sz="1400" dirty="0">
+              <a:t>avec son chemin précis. Le ‘file= open’ est suivi du chemin du fichier pour pouvoir le lire s’il existe..</a:t>
+            </a:r>
+            <a:r>
+              <a:rPr lang="fr-FR" altLang="fr-FR" dirty="0">
                 <a:latin typeface="Arial Unicode MS"/>
               </a:rPr>
               <a:t> En référence au travail demandé  nous devons lire notre </a:t>
             </a:r>
-            <a:endParaRPr kumimoji="0" lang="fr-FR" altLang="fr-FR" sz="1400" b="0" i="0" u="none" strike="noStrike" cap="none" normalizeH="0" baseline="0" dirty="0">
-              <a:ln>
-                <a:noFill/>
-              </a:ln>
-              <a:solidFill>
-                <a:schemeClr val="tx1"/>
-              </a:solidFill>
-              <a:effectLst/>
-              <a:latin typeface="Arial Unicode MS"/>
-            </a:endParaRPr>
-          </a:p>
-          <a:p>
-            <a:pPr marL="0" lvl="0" indent="0" eaLnBrk="0" fontAlgn="base" hangingPunct="0">
-              <a:spcBef>
-                <a:spcPct val="0"/>
-              </a:spcBef>
-              <a:spcAft>
-                <a:spcPct val="0"/>
-              </a:spcAft>
-              <a:buClrTx/>
-              <a:buNone/>
-            </a:pPr>
-            <a:r>
-              <a:rPr kumimoji="0" lang="fr-FR" altLang="fr-FR" sz="1400" b="0" i="0" u="none" strike="noStrike" cap="none" normalizeH="0" baseline="0" dirty="0">
+            <a:r>
+              <a:rPr kumimoji="0" lang="fr-FR" altLang="fr-FR" b="0" i="0" u="none" strike="noStrike" cap="none" normalizeH="0" baseline="0" dirty="0">
                 <a:ln>
                   <a:noFill/>
                 </a:ln>
@@ -4939,38 +4895,16 @@
                 <a:effectLst/>
                 <a:latin typeface="Arial Unicode MS"/>
               </a:rPr>
-              <a:t>  dossier ligne par ligne pour bien le trier. Pour ce faire, la boucle 'for line in fine' a été utilisée pour lire ligne par ligne. </a:t>
-            </a:r>
-            <a:r>
-              <a:rPr lang="fr-FR" altLang="fr-FR" sz="1400" dirty="0">
+              <a:t>dossier ligne par ligne pour bien le trier  . Pour ce faire, la boucle 'for line in fine' a été utilisée pour lire ligne par ligne. </a:t>
+            </a:r>
+            <a:r>
+              <a:rPr lang="fr-FR" altLang="fr-FR" dirty="0">
                 <a:latin typeface="Arial Unicode MS"/>
               </a:rPr>
-              <a:t>Le fichier contenant plus de 11000 lignes </a:t>
-            </a:r>
-            <a:endParaRPr kumimoji="0" lang="fr-FR" altLang="fr-FR" sz="1400" b="0" i="0" u="none" strike="noStrike" cap="none" normalizeH="0" baseline="0" dirty="0">
-              <a:ln>
-                <a:noFill/>
-              </a:ln>
-              <a:solidFill>
-                <a:schemeClr val="tx1"/>
-              </a:solidFill>
-              <a:effectLst/>
-              <a:latin typeface="Arial Unicode MS"/>
-            </a:endParaRPr>
-          </a:p>
-          <a:p>
-            <a:pPr marL="0" lvl="0" indent="0" eaLnBrk="0" fontAlgn="base" hangingPunct="0">
-              <a:spcBef>
-                <a:spcPct val="0"/>
-              </a:spcBef>
-              <a:spcAft>
-                <a:spcPct val="0"/>
-              </a:spcAft>
-              <a:buClrTx/>
-              <a:buNone/>
-            </a:pPr>
-            <a:r>
-              <a:rPr kumimoji="0" lang="fr-FR" altLang="fr-FR" sz="1400" b="0" i="0" u="none" strike="noStrike" cap="none" normalizeH="0" baseline="0" dirty="0">
+              <a:t>Le fichier contenant plus de 11000 lignes</a:t>
+            </a:r>
+            <a:r>
+              <a:rPr kumimoji="0" lang="fr-FR" altLang="fr-FR" b="0" i="0" u="none" strike="noStrike" cap="none" normalizeH="0" baseline="0" dirty="0">
                 <a:ln>
                   <a:noFill/>
                 </a:ln>
@@ -4980,44 +4914,16 @@
                 <a:effectLst/>
                 <a:latin typeface="Arial Unicode MS"/>
               </a:rPr>
-              <a:t>  nous devons considérer les lignes contenant le caractère 'IP' Pour ce faire, nous avons utilisé 'si 'IP' en ligne’. </a:t>
-            </a:r>
-            <a:r>
-              <a:rPr lang="fr-FR" altLang="fr-FR" sz="1400" dirty="0">
+              <a:t> nous devons considérer les lignes contenant le caractère 'IP' Pour ce faire, nous avons utilisé 'si 'IP' en ligne’. </a:t>
+            </a:r>
+            <a:r>
+              <a:rPr lang="fr-FR" altLang="fr-FR" dirty="0">
                 <a:latin typeface="Arial Unicode MS"/>
               </a:rPr>
               <a:t>Une fois le caractère IP trouvé sur la ligne</a:t>
             </a:r>
-            <a:endParaRPr kumimoji="0" lang="fr-FR" altLang="fr-FR" sz="1400" b="0" i="0" u="none" strike="noStrike" cap="none" normalizeH="0" baseline="0" dirty="0">
-              <a:ln>
-                <a:noFill/>
-              </a:ln>
-              <a:solidFill>
-                <a:schemeClr val="tx1"/>
-              </a:solidFill>
-              <a:effectLst/>
-              <a:latin typeface="Arial Unicode MS"/>
-            </a:endParaRPr>
-          </a:p>
-          <a:p>
-            <a:pPr marL="0" marR="0" lvl="0" indent="0" algn="l" defTabSz="914400" rtl="0" eaLnBrk="0" fontAlgn="base" latinLnBrk="0" hangingPunct="0">
-              <a:lnSpc>
-                <a:spcPct val="100000"/>
-              </a:lnSpc>
-              <a:spcBef>
-                <a:spcPct val="0"/>
-              </a:spcBef>
-              <a:spcAft>
-                <a:spcPct val="0"/>
-              </a:spcAft>
-              <a:buClrTx/>
-              <a:buSzTx/>
-              <a:buFontTx/>
-              <a:buNone/>
-              <a:tabLst/>
-            </a:pPr>
-            <a:r>
-              <a:rPr kumimoji="0" lang="fr-FR" altLang="fr-FR" sz="1400" b="0" i="0" u="none" strike="noStrike" cap="none" normalizeH="0" baseline="0" dirty="0">
+            <a:r>
+              <a:rPr kumimoji="0" lang="fr-FR" altLang="fr-FR" b="0" i="0" u="none" strike="noStrike" cap="none" normalizeH="0" baseline="0" dirty="0">
                 <a:ln>
                   <a:noFill/>
                 </a:ln>
@@ -5027,40 +4933,9 @@
                 <a:effectLst/>
                 <a:latin typeface="Arial Unicode MS"/>
               </a:rPr>
-              <a:t> nous le gardons et remplissons notre tableau avec les en-têtes définis au début. Maintenant, une fois les lignes contenant le caractère 'IP' conservées,</a:t>
-            </a:r>
-          </a:p>
-          <a:p>
-            <a:pPr marL="0" marR="0" lvl="0" indent="0" algn="l" defTabSz="914400" rtl="0" eaLnBrk="0" fontAlgn="base" latinLnBrk="0" hangingPunct="0">
-              <a:lnSpc>
-                <a:spcPct val="100000"/>
-              </a:lnSpc>
-              <a:spcBef>
-                <a:spcPct val="0"/>
-              </a:spcBef>
-              <a:spcAft>
-                <a:spcPct val="0"/>
-              </a:spcAft>
-              <a:buClrTx/>
-              <a:buSzTx/>
-              <a:buFontTx/>
-              <a:buNone/>
-              <a:tabLst/>
-            </a:pPr>
-            <a:r>
-              <a:rPr kumimoji="0" lang="fr-FR" altLang="fr-FR" sz="1400" b="0" i="0" u="none" strike="noStrike" cap="none" normalizeH="0" baseline="0" dirty="0">
-                <a:ln>
-                  <a:noFill/>
-                </a:ln>
-                <a:solidFill>
-                  <a:schemeClr val="tx1"/>
-                </a:solidFill>
-                <a:effectLst/>
-                <a:latin typeface="Arial Unicode MS"/>
-              </a:rPr>
-              <a:t> il faut faire attention au remplissage de la longueur de la colonne avec le 'HTTP' 'avec open' pour créer notre nouveau fichier csv nommé 'data'</a:t>
-            </a:r>
-            <a:endParaRPr kumimoji="0" lang="fr-FR" altLang="fr-FR" sz="1400" b="0" i="0" u="none" strike="noStrike" cap="none" normalizeH="0" baseline="0" dirty="0">
+              <a:t> nous le gardons et remplissons notre tableau avec les en-têtes définis au début. Maintenant, une fois les lignes contenant le caractère 'IP' conservées, il faut faire attention au remplissage de la longueur de la colonne avec le 'HTTP' 'avec open' pour créer notre nouveau fichier csv nommé ‘text'</a:t>
+            </a:r>
+            <a:endParaRPr kumimoji="0" lang="fr-FR" altLang="fr-FR" b="0" i="0" u="none" strike="noStrike" cap="none" normalizeH="0" baseline="0" dirty="0">
               <a:ln>
                 <a:noFill/>
               </a:ln>
